--- a/ppt 16-9/1417.当求上面的事.pptx
+++ b/ppt 16-9/1417.当求上面的事.pptx
@@ -5,7 +5,7 @@
     <p:sldMasterId id="2147483648" r:id="rId1"/>
   </p:sldMasterIdLst>
   <p:sldIdLst>
-    <p:sldId id="988" r:id="rId2"/>
+    <p:sldId id="989" r:id="rId2"/>
   </p:sldIdLst>
   <p:sldSz cx="12192000" cy="6858000"/>
   <p:notesSz cx="6858000" cy="9144000"/>
@@ -129,7 +129,7 @@
           <p:cNvPr id="2" name="标题 1">
             <a:extLst>
               <a:ext uri="{FF2B5EF4-FFF2-40B4-BE49-F238E27FC236}">
-                <a16:creationId xmlns:a16="http://schemas.microsoft.com/office/drawing/2014/main" id="{63E8FB4F-8265-955F-8E29-E69BB01093DD}"/>
+                <a16:creationId xmlns:a16="http://schemas.microsoft.com/office/drawing/2014/main" id="{1D3AEBAA-12DE-4C9E-AB08-886BB0239F55}"/>
               </a:ext>
             </a:extLst>
           </p:cNvPr>
@@ -166,7 +166,7 @@
           <p:cNvPr id="3" name="副标题 2">
             <a:extLst>
               <a:ext uri="{FF2B5EF4-FFF2-40B4-BE49-F238E27FC236}">
-                <a16:creationId xmlns:a16="http://schemas.microsoft.com/office/drawing/2014/main" id="{13CA0E84-5556-5BB4-572E-9DE152CADE5E}"/>
+                <a16:creationId xmlns:a16="http://schemas.microsoft.com/office/drawing/2014/main" id="{0C29ACE6-AC32-8B5F-BA22-4178F1C2AA69}"/>
               </a:ext>
             </a:extLst>
           </p:cNvPr>
@@ -236,7 +236,7 @@
           <p:cNvPr id="4" name="日期占位符 3">
             <a:extLst>
               <a:ext uri="{FF2B5EF4-FFF2-40B4-BE49-F238E27FC236}">
-                <a16:creationId xmlns:a16="http://schemas.microsoft.com/office/drawing/2014/main" id="{97269A6B-C7CF-D33A-EABA-866CAEE5D282}"/>
+                <a16:creationId xmlns:a16="http://schemas.microsoft.com/office/drawing/2014/main" id="{C15CA7B3-ECB3-8658-6F0F-4770B512ACF7}"/>
               </a:ext>
             </a:extLst>
           </p:cNvPr>
@@ -252,7 +252,7 @@
           <a:bodyPr/>
           <a:lstStyle/>
           <a:p>
-            <a:fld id="{1515DACE-BE3A-4EA3-B57E-6FEAF8F1D645}" type="datetimeFigureOut">
+            <a:fld id="{6DB638C0-B3EA-496F-8704-F087A1F40B8D}" type="datetimeFigureOut">
               <a:rPr lang="zh-CN" altLang="en-US" smtClean="0"/>
               <a:t>2024/3/10</a:t>
             </a:fld>
@@ -265,7 +265,7 @@
           <p:cNvPr id="5" name="页脚占位符 4">
             <a:extLst>
               <a:ext uri="{FF2B5EF4-FFF2-40B4-BE49-F238E27FC236}">
-                <a16:creationId xmlns:a16="http://schemas.microsoft.com/office/drawing/2014/main" id="{5B6C2C04-8EC1-E04F-5D98-196FC0D47782}"/>
+                <a16:creationId xmlns:a16="http://schemas.microsoft.com/office/drawing/2014/main" id="{282C7BD0-D842-F3D7-CDBF-3802A5FBCFD6}"/>
               </a:ext>
             </a:extLst>
           </p:cNvPr>
@@ -290,7 +290,7 @@
           <p:cNvPr id="6" name="灯片编号占位符 5">
             <a:extLst>
               <a:ext uri="{FF2B5EF4-FFF2-40B4-BE49-F238E27FC236}">
-                <a16:creationId xmlns:a16="http://schemas.microsoft.com/office/drawing/2014/main" id="{A3A330D8-5784-1065-F3A6-2167E97F8C54}"/>
+                <a16:creationId xmlns:a16="http://schemas.microsoft.com/office/drawing/2014/main" id="{7F9E30FE-7194-A02F-46A4-633B9F3DFB45}"/>
               </a:ext>
             </a:extLst>
           </p:cNvPr>
@@ -306,7 +306,7 @@
           <a:bodyPr/>
           <a:lstStyle/>
           <a:p>
-            <a:fld id="{1F2E74D1-9A59-47B2-8840-29ECF1468DE2}" type="slidenum">
+            <a:fld id="{4943497C-A096-4FDE-8AA4-E25CBE22BF8E}" type="slidenum">
               <a:rPr lang="zh-CN" altLang="en-US" smtClean="0"/>
               <a:t>‹#›</a:t>
             </a:fld>
@@ -317,7 +317,7 @@
     </p:spTree>
     <p:extLst>
       <p:ext uri="{BB962C8B-B14F-4D97-AF65-F5344CB8AC3E}">
-        <p14:creationId xmlns:p14="http://schemas.microsoft.com/office/powerpoint/2010/main" val="1435203801"/>
+        <p14:creationId xmlns:p14="http://schemas.microsoft.com/office/powerpoint/2010/main" val="2425084783"/>
       </p:ext>
     </p:extLst>
   </p:cSld>
@@ -349,7 +349,7 @@
           <p:cNvPr id="2" name="标题 1">
             <a:extLst>
               <a:ext uri="{FF2B5EF4-FFF2-40B4-BE49-F238E27FC236}">
-                <a16:creationId xmlns:a16="http://schemas.microsoft.com/office/drawing/2014/main" id="{D1A9F276-41D6-3800-C023-4F004DB7D45D}"/>
+                <a16:creationId xmlns:a16="http://schemas.microsoft.com/office/drawing/2014/main" id="{8A301F43-F531-A23F-1078-2F048727E892}"/>
               </a:ext>
             </a:extLst>
           </p:cNvPr>
@@ -377,7 +377,7 @@
           <p:cNvPr id="3" name="竖排文字占位符 2">
             <a:extLst>
               <a:ext uri="{FF2B5EF4-FFF2-40B4-BE49-F238E27FC236}">
-                <a16:creationId xmlns:a16="http://schemas.microsoft.com/office/drawing/2014/main" id="{A64ACDE0-6E29-8895-748C-0095DF23402E}"/>
+                <a16:creationId xmlns:a16="http://schemas.microsoft.com/office/drawing/2014/main" id="{022032E8-AB7C-B54C-BD10-D2D495E7800F}"/>
               </a:ext>
             </a:extLst>
           </p:cNvPr>
@@ -434,7 +434,7 @@
           <p:cNvPr id="4" name="日期占位符 3">
             <a:extLst>
               <a:ext uri="{FF2B5EF4-FFF2-40B4-BE49-F238E27FC236}">
-                <a16:creationId xmlns:a16="http://schemas.microsoft.com/office/drawing/2014/main" id="{ACDA7F12-5A12-8F6A-90A5-292F577FBC88}"/>
+                <a16:creationId xmlns:a16="http://schemas.microsoft.com/office/drawing/2014/main" id="{1C5C5800-2155-2649-2FB4-D6E919AF43A3}"/>
               </a:ext>
             </a:extLst>
           </p:cNvPr>
@@ -450,7 +450,7 @@
           <a:bodyPr/>
           <a:lstStyle/>
           <a:p>
-            <a:fld id="{1515DACE-BE3A-4EA3-B57E-6FEAF8F1D645}" type="datetimeFigureOut">
+            <a:fld id="{6DB638C0-B3EA-496F-8704-F087A1F40B8D}" type="datetimeFigureOut">
               <a:rPr lang="zh-CN" altLang="en-US" smtClean="0"/>
               <a:t>2024/3/10</a:t>
             </a:fld>
@@ -463,7 +463,7 @@
           <p:cNvPr id="5" name="页脚占位符 4">
             <a:extLst>
               <a:ext uri="{FF2B5EF4-FFF2-40B4-BE49-F238E27FC236}">
-                <a16:creationId xmlns:a16="http://schemas.microsoft.com/office/drawing/2014/main" id="{D31F3F6B-B7C3-B018-CB41-FA6BAD35DF9C}"/>
+                <a16:creationId xmlns:a16="http://schemas.microsoft.com/office/drawing/2014/main" id="{9D2AAAAC-2BE3-EB87-869E-887E0D3ABCFB}"/>
               </a:ext>
             </a:extLst>
           </p:cNvPr>
@@ -488,7 +488,7 @@
           <p:cNvPr id="6" name="灯片编号占位符 5">
             <a:extLst>
               <a:ext uri="{FF2B5EF4-FFF2-40B4-BE49-F238E27FC236}">
-                <a16:creationId xmlns:a16="http://schemas.microsoft.com/office/drawing/2014/main" id="{E98A6B3A-F4A7-FA9A-767F-21556915AFC9}"/>
+                <a16:creationId xmlns:a16="http://schemas.microsoft.com/office/drawing/2014/main" id="{7E19AE18-9669-F77F-A27C-95E878F61FCB}"/>
               </a:ext>
             </a:extLst>
           </p:cNvPr>
@@ -504,7 +504,7 @@
           <a:bodyPr/>
           <a:lstStyle/>
           <a:p>
-            <a:fld id="{1F2E74D1-9A59-47B2-8840-29ECF1468DE2}" type="slidenum">
+            <a:fld id="{4943497C-A096-4FDE-8AA4-E25CBE22BF8E}" type="slidenum">
               <a:rPr lang="zh-CN" altLang="en-US" smtClean="0"/>
               <a:t>‹#›</a:t>
             </a:fld>
@@ -515,7 +515,7 @@
     </p:spTree>
     <p:extLst>
       <p:ext uri="{BB962C8B-B14F-4D97-AF65-F5344CB8AC3E}">
-        <p14:creationId xmlns:p14="http://schemas.microsoft.com/office/powerpoint/2010/main" val="174287985"/>
+        <p14:creationId xmlns:p14="http://schemas.microsoft.com/office/powerpoint/2010/main" val="2960974731"/>
       </p:ext>
     </p:extLst>
   </p:cSld>
@@ -547,7 +547,7 @@
           <p:cNvPr id="2" name="竖排标题 1">
             <a:extLst>
               <a:ext uri="{FF2B5EF4-FFF2-40B4-BE49-F238E27FC236}">
-                <a16:creationId xmlns:a16="http://schemas.microsoft.com/office/drawing/2014/main" id="{A35C66ED-8EB3-5189-D9FF-B32B2370CA26}"/>
+                <a16:creationId xmlns:a16="http://schemas.microsoft.com/office/drawing/2014/main" id="{23241456-4B8A-E45B-D9F3-DDC3BC391E0E}"/>
               </a:ext>
             </a:extLst>
           </p:cNvPr>
@@ -580,7 +580,7 @@
           <p:cNvPr id="3" name="竖排文字占位符 2">
             <a:extLst>
               <a:ext uri="{FF2B5EF4-FFF2-40B4-BE49-F238E27FC236}">
-                <a16:creationId xmlns:a16="http://schemas.microsoft.com/office/drawing/2014/main" id="{69F3AF47-98A8-4E07-C3A3-45D54E56D31D}"/>
+                <a16:creationId xmlns:a16="http://schemas.microsoft.com/office/drawing/2014/main" id="{8818AD6C-8487-E71B-8EC1-3603396BC6E7}"/>
               </a:ext>
             </a:extLst>
           </p:cNvPr>
@@ -642,7 +642,7 @@
           <p:cNvPr id="4" name="日期占位符 3">
             <a:extLst>
               <a:ext uri="{FF2B5EF4-FFF2-40B4-BE49-F238E27FC236}">
-                <a16:creationId xmlns:a16="http://schemas.microsoft.com/office/drawing/2014/main" id="{83366C8B-E0B8-AACC-5761-3333B2D0BF7A}"/>
+                <a16:creationId xmlns:a16="http://schemas.microsoft.com/office/drawing/2014/main" id="{183CBD60-5D95-1AFA-E629-37B0D7CAD33C}"/>
               </a:ext>
             </a:extLst>
           </p:cNvPr>
@@ -658,7 +658,7 @@
           <a:bodyPr/>
           <a:lstStyle/>
           <a:p>
-            <a:fld id="{1515DACE-BE3A-4EA3-B57E-6FEAF8F1D645}" type="datetimeFigureOut">
+            <a:fld id="{6DB638C0-B3EA-496F-8704-F087A1F40B8D}" type="datetimeFigureOut">
               <a:rPr lang="zh-CN" altLang="en-US" smtClean="0"/>
               <a:t>2024/3/10</a:t>
             </a:fld>
@@ -671,7 +671,7 @@
           <p:cNvPr id="5" name="页脚占位符 4">
             <a:extLst>
               <a:ext uri="{FF2B5EF4-FFF2-40B4-BE49-F238E27FC236}">
-                <a16:creationId xmlns:a16="http://schemas.microsoft.com/office/drawing/2014/main" id="{4AA02175-B67B-09A0-6582-00CDF45451DC}"/>
+                <a16:creationId xmlns:a16="http://schemas.microsoft.com/office/drawing/2014/main" id="{7EAA7FC5-7A75-D9B8-8C49-B5B6B0868A76}"/>
               </a:ext>
             </a:extLst>
           </p:cNvPr>
@@ -696,7 +696,7 @@
           <p:cNvPr id="6" name="灯片编号占位符 5">
             <a:extLst>
               <a:ext uri="{FF2B5EF4-FFF2-40B4-BE49-F238E27FC236}">
-                <a16:creationId xmlns:a16="http://schemas.microsoft.com/office/drawing/2014/main" id="{669CCFCB-66C5-3EC6-A0B3-CEF2EB9B71B8}"/>
+                <a16:creationId xmlns:a16="http://schemas.microsoft.com/office/drawing/2014/main" id="{5BCA2556-7F6F-76A6-2AE4-4B5E0DA8729A}"/>
               </a:ext>
             </a:extLst>
           </p:cNvPr>
@@ -712,7 +712,7 @@
           <a:bodyPr/>
           <a:lstStyle/>
           <a:p>
-            <a:fld id="{1F2E74D1-9A59-47B2-8840-29ECF1468DE2}" type="slidenum">
+            <a:fld id="{4943497C-A096-4FDE-8AA4-E25CBE22BF8E}" type="slidenum">
               <a:rPr lang="zh-CN" altLang="en-US" smtClean="0"/>
               <a:t>‹#›</a:t>
             </a:fld>
@@ -723,7 +723,7 @@
     </p:spTree>
     <p:extLst>
       <p:ext uri="{BB962C8B-B14F-4D97-AF65-F5344CB8AC3E}">
-        <p14:creationId xmlns:p14="http://schemas.microsoft.com/office/powerpoint/2010/main" val="3810926477"/>
+        <p14:creationId xmlns:p14="http://schemas.microsoft.com/office/powerpoint/2010/main" val="2246480286"/>
       </p:ext>
     </p:extLst>
   </p:cSld>
@@ -755,7 +755,7 @@
           <p:cNvPr id="2" name="标题 1">
             <a:extLst>
               <a:ext uri="{FF2B5EF4-FFF2-40B4-BE49-F238E27FC236}">
-                <a16:creationId xmlns:a16="http://schemas.microsoft.com/office/drawing/2014/main" id="{253F9262-4262-C675-515B-EF27FEB18159}"/>
+                <a16:creationId xmlns:a16="http://schemas.microsoft.com/office/drawing/2014/main" id="{7BDB4919-00FD-C0E0-3F21-8A469944963E}"/>
               </a:ext>
             </a:extLst>
           </p:cNvPr>
@@ -783,7 +783,7 @@
           <p:cNvPr id="3" name="内容占位符 2">
             <a:extLst>
               <a:ext uri="{FF2B5EF4-FFF2-40B4-BE49-F238E27FC236}">
-                <a16:creationId xmlns:a16="http://schemas.microsoft.com/office/drawing/2014/main" id="{943054D1-23CF-BC40-FCE4-15F4B158F0AB}"/>
+                <a16:creationId xmlns:a16="http://schemas.microsoft.com/office/drawing/2014/main" id="{BBF987FE-9C0A-7DB5-3B6A-C0D71E97A033}"/>
               </a:ext>
             </a:extLst>
           </p:cNvPr>
@@ -840,7 +840,7 @@
           <p:cNvPr id="4" name="日期占位符 3">
             <a:extLst>
               <a:ext uri="{FF2B5EF4-FFF2-40B4-BE49-F238E27FC236}">
-                <a16:creationId xmlns:a16="http://schemas.microsoft.com/office/drawing/2014/main" id="{943C4046-1AEB-17D8-251B-01B2D1A85997}"/>
+                <a16:creationId xmlns:a16="http://schemas.microsoft.com/office/drawing/2014/main" id="{6AA74768-49DA-458C-B90B-BFDEBBB7BEBF}"/>
               </a:ext>
             </a:extLst>
           </p:cNvPr>
@@ -856,7 +856,7 @@
           <a:bodyPr/>
           <a:lstStyle/>
           <a:p>
-            <a:fld id="{1515DACE-BE3A-4EA3-B57E-6FEAF8F1D645}" type="datetimeFigureOut">
+            <a:fld id="{6DB638C0-B3EA-496F-8704-F087A1F40B8D}" type="datetimeFigureOut">
               <a:rPr lang="zh-CN" altLang="en-US" smtClean="0"/>
               <a:t>2024/3/10</a:t>
             </a:fld>
@@ -869,7 +869,7 @@
           <p:cNvPr id="5" name="页脚占位符 4">
             <a:extLst>
               <a:ext uri="{FF2B5EF4-FFF2-40B4-BE49-F238E27FC236}">
-                <a16:creationId xmlns:a16="http://schemas.microsoft.com/office/drawing/2014/main" id="{2F53735C-0488-B476-6462-9E19215DB9D1}"/>
+                <a16:creationId xmlns:a16="http://schemas.microsoft.com/office/drawing/2014/main" id="{9704EF98-AB37-4FC7-C4EB-E7AFAA00B005}"/>
               </a:ext>
             </a:extLst>
           </p:cNvPr>
@@ -894,7 +894,7 @@
           <p:cNvPr id="6" name="灯片编号占位符 5">
             <a:extLst>
               <a:ext uri="{FF2B5EF4-FFF2-40B4-BE49-F238E27FC236}">
-                <a16:creationId xmlns:a16="http://schemas.microsoft.com/office/drawing/2014/main" id="{7B0D0669-2DD1-A447-196E-448CD8B5BE50}"/>
+                <a16:creationId xmlns:a16="http://schemas.microsoft.com/office/drawing/2014/main" id="{AE9E3764-CDCE-4E1C-C220-148C3D313ED3}"/>
               </a:ext>
             </a:extLst>
           </p:cNvPr>
@@ -910,7 +910,7 @@
           <a:bodyPr/>
           <a:lstStyle/>
           <a:p>
-            <a:fld id="{1F2E74D1-9A59-47B2-8840-29ECF1468DE2}" type="slidenum">
+            <a:fld id="{4943497C-A096-4FDE-8AA4-E25CBE22BF8E}" type="slidenum">
               <a:rPr lang="zh-CN" altLang="en-US" smtClean="0"/>
               <a:t>‹#›</a:t>
             </a:fld>
@@ -921,7 +921,7 @@
     </p:spTree>
     <p:extLst>
       <p:ext uri="{BB962C8B-B14F-4D97-AF65-F5344CB8AC3E}">
-        <p14:creationId xmlns:p14="http://schemas.microsoft.com/office/powerpoint/2010/main" val="3644409440"/>
+        <p14:creationId xmlns:p14="http://schemas.microsoft.com/office/powerpoint/2010/main" val="86877780"/>
       </p:ext>
     </p:extLst>
   </p:cSld>
@@ -953,7 +953,7 @@
           <p:cNvPr id="2" name="标题 1">
             <a:extLst>
               <a:ext uri="{FF2B5EF4-FFF2-40B4-BE49-F238E27FC236}">
-                <a16:creationId xmlns:a16="http://schemas.microsoft.com/office/drawing/2014/main" id="{9417BA98-925D-700A-6D57-6532DCD7AFE7}"/>
+                <a16:creationId xmlns:a16="http://schemas.microsoft.com/office/drawing/2014/main" id="{B987EAC5-3177-EF6F-005C-FD8D11385AD5}"/>
               </a:ext>
             </a:extLst>
           </p:cNvPr>
@@ -990,7 +990,7 @@
           <p:cNvPr id="3" name="文本占位符 2">
             <a:extLst>
               <a:ext uri="{FF2B5EF4-FFF2-40B4-BE49-F238E27FC236}">
-                <a16:creationId xmlns:a16="http://schemas.microsoft.com/office/drawing/2014/main" id="{7D9BA7BD-B1D5-3EAC-00C8-12CA78D768CF}"/>
+                <a16:creationId xmlns:a16="http://schemas.microsoft.com/office/drawing/2014/main" id="{D6F1DE29-CC14-823F-29BF-23B1B30F07BC}"/>
               </a:ext>
             </a:extLst>
           </p:cNvPr>
@@ -1115,7 +1115,7 @@
           <p:cNvPr id="4" name="日期占位符 3">
             <a:extLst>
               <a:ext uri="{FF2B5EF4-FFF2-40B4-BE49-F238E27FC236}">
-                <a16:creationId xmlns:a16="http://schemas.microsoft.com/office/drawing/2014/main" id="{5A6C32FC-F147-C460-4E33-22E57A9F97D3}"/>
+                <a16:creationId xmlns:a16="http://schemas.microsoft.com/office/drawing/2014/main" id="{08C00A75-E27B-ED71-CF5B-C93235824A03}"/>
               </a:ext>
             </a:extLst>
           </p:cNvPr>
@@ -1131,7 +1131,7 @@
           <a:bodyPr/>
           <a:lstStyle/>
           <a:p>
-            <a:fld id="{1515DACE-BE3A-4EA3-B57E-6FEAF8F1D645}" type="datetimeFigureOut">
+            <a:fld id="{6DB638C0-B3EA-496F-8704-F087A1F40B8D}" type="datetimeFigureOut">
               <a:rPr lang="zh-CN" altLang="en-US" smtClean="0"/>
               <a:t>2024/3/10</a:t>
             </a:fld>
@@ -1144,7 +1144,7 @@
           <p:cNvPr id="5" name="页脚占位符 4">
             <a:extLst>
               <a:ext uri="{FF2B5EF4-FFF2-40B4-BE49-F238E27FC236}">
-                <a16:creationId xmlns:a16="http://schemas.microsoft.com/office/drawing/2014/main" id="{8BC63314-11F2-9C65-62B7-748E3F6268EC}"/>
+                <a16:creationId xmlns:a16="http://schemas.microsoft.com/office/drawing/2014/main" id="{9EC05586-C4CB-36C2-A455-E4620446DC02}"/>
               </a:ext>
             </a:extLst>
           </p:cNvPr>
@@ -1169,7 +1169,7 @@
           <p:cNvPr id="6" name="灯片编号占位符 5">
             <a:extLst>
               <a:ext uri="{FF2B5EF4-FFF2-40B4-BE49-F238E27FC236}">
-                <a16:creationId xmlns:a16="http://schemas.microsoft.com/office/drawing/2014/main" id="{5D769EA6-253A-024E-B4C7-650E544C9D24}"/>
+                <a16:creationId xmlns:a16="http://schemas.microsoft.com/office/drawing/2014/main" id="{9DE00992-A930-EBA3-697F-BF6BC1358305}"/>
               </a:ext>
             </a:extLst>
           </p:cNvPr>
@@ -1185,7 +1185,7 @@
           <a:bodyPr/>
           <a:lstStyle/>
           <a:p>
-            <a:fld id="{1F2E74D1-9A59-47B2-8840-29ECF1468DE2}" type="slidenum">
+            <a:fld id="{4943497C-A096-4FDE-8AA4-E25CBE22BF8E}" type="slidenum">
               <a:rPr lang="zh-CN" altLang="en-US" smtClean="0"/>
               <a:t>‹#›</a:t>
             </a:fld>
@@ -1196,7 +1196,7 @@
     </p:spTree>
     <p:extLst>
       <p:ext uri="{BB962C8B-B14F-4D97-AF65-F5344CB8AC3E}">
-        <p14:creationId xmlns:p14="http://schemas.microsoft.com/office/powerpoint/2010/main" val="3960526167"/>
+        <p14:creationId xmlns:p14="http://schemas.microsoft.com/office/powerpoint/2010/main" val="1494582768"/>
       </p:ext>
     </p:extLst>
   </p:cSld>
@@ -1228,7 +1228,7 @@
           <p:cNvPr id="2" name="标题 1">
             <a:extLst>
               <a:ext uri="{FF2B5EF4-FFF2-40B4-BE49-F238E27FC236}">
-                <a16:creationId xmlns:a16="http://schemas.microsoft.com/office/drawing/2014/main" id="{61B99E56-3C4C-F0CB-7E99-E24D29AFD6B8}"/>
+                <a16:creationId xmlns:a16="http://schemas.microsoft.com/office/drawing/2014/main" id="{DDC48E1A-BFB3-CC97-E884-910A080ED6ED}"/>
               </a:ext>
             </a:extLst>
           </p:cNvPr>
@@ -1256,7 +1256,7 @@
           <p:cNvPr id="3" name="内容占位符 2">
             <a:extLst>
               <a:ext uri="{FF2B5EF4-FFF2-40B4-BE49-F238E27FC236}">
-                <a16:creationId xmlns:a16="http://schemas.microsoft.com/office/drawing/2014/main" id="{FB074EB1-30F5-D3BB-0490-5B46FF444B5F}"/>
+                <a16:creationId xmlns:a16="http://schemas.microsoft.com/office/drawing/2014/main" id="{2F4836CE-13B5-F4CF-7208-11E98D3EB49E}"/>
               </a:ext>
             </a:extLst>
           </p:cNvPr>
@@ -1318,7 +1318,7 @@
           <p:cNvPr id="4" name="内容占位符 3">
             <a:extLst>
               <a:ext uri="{FF2B5EF4-FFF2-40B4-BE49-F238E27FC236}">
-                <a16:creationId xmlns:a16="http://schemas.microsoft.com/office/drawing/2014/main" id="{956D5C96-C235-56AB-5CEE-B94D6E2A5270}"/>
+                <a16:creationId xmlns:a16="http://schemas.microsoft.com/office/drawing/2014/main" id="{E6E3B358-D1A7-D6BC-9508-B2FD2B3E8454}"/>
               </a:ext>
             </a:extLst>
           </p:cNvPr>
@@ -1380,7 +1380,7 @@
           <p:cNvPr id="5" name="日期占位符 4">
             <a:extLst>
               <a:ext uri="{FF2B5EF4-FFF2-40B4-BE49-F238E27FC236}">
-                <a16:creationId xmlns:a16="http://schemas.microsoft.com/office/drawing/2014/main" id="{177D2606-0250-A4DE-CB30-6C8029108531}"/>
+                <a16:creationId xmlns:a16="http://schemas.microsoft.com/office/drawing/2014/main" id="{A71CF27B-479A-6454-D0A6-87760CEF08D7}"/>
               </a:ext>
             </a:extLst>
           </p:cNvPr>
@@ -1396,7 +1396,7 @@
           <a:bodyPr/>
           <a:lstStyle/>
           <a:p>
-            <a:fld id="{1515DACE-BE3A-4EA3-B57E-6FEAF8F1D645}" type="datetimeFigureOut">
+            <a:fld id="{6DB638C0-B3EA-496F-8704-F087A1F40B8D}" type="datetimeFigureOut">
               <a:rPr lang="zh-CN" altLang="en-US" smtClean="0"/>
               <a:t>2024/3/10</a:t>
             </a:fld>
@@ -1409,7 +1409,7 @@
           <p:cNvPr id="6" name="页脚占位符 5">
             <a:extLst>
               <a:ext uri="{FF2B5EF4-FFF2-40B4-BE49-F238E27FC236}">
-                <a16:creationId xmlns:a16="http://schemas.microsoft.com/office/drawing/2014/main" id="{5A37DB43-016A-B9A2-DF4D-8F5826BEBE20}"/>
+                <a16:creationId xmlns:a16="http://schemas.microsoft.com/office/drawing/2014/main" id="{AD382F8F-14BA-5115-3529-8A599157C83E}"/>
               </a:ext>
             </a:extLst>
           </p:cNvPr>
@@ -1434,7 +1434,7 @@
           <p:cNvPr id="7" name="灯片编号占位符 6">
             <a:extLst>
               <a:ext uri="{FF2B5EF4-FFF2-40B4-BE49-F238E27FC236}">
-                <a16:creationId xmlns:a16="http://schemas.microsoft.com/office/drawing/2014/main" id="{4A7EB186-5B71-A7C8-283C-015AD22570CA}"/>
+                <a16:creationId xmlns:a16="http://schemas.microsoft.com/office/drawing/2014/main" id="{78363265-08AC-8253-06B3-BECFA4F00DD3}"/>
               </a:ext>
             </a:extLst>
           </p:cNvPr>
@@ -1450,7 +1450,7 @@
           <a:bodyPr/>
           <a:lstStyle/>
           <a:p>
-            <a:fld id="{1F2E74D1-9A59-47B2-8840-29ECF1468DE2}" type="slidenum">
+            <a:fld id="{4943497C-A096-4FDE-8AA4-E25CBE22BF8E}" type="slidenum">
               <a:rPr lang="zh-CN" altLang="en-US" smtClean="0"/>
               <a:t>‹#›</a:t>
             </a:fld>
@@ -1461,7 +1461,7 @@
     </p:spTree>
     <p:extLst>
       <p:ext uri="{BB962C8B-B14F-4D97-AF65-F5344CB8AC3E}">
-        <p14:creationId xmlns:p14="http://schemas.microsoft.com/office/powerpoint/2010/main" val="489124402"/>
+        <p14:creationId xmlns:p14="http://schemas.microsoft.com/office/powerpoint/2010/main" val="3851315094"/>
       </p:ext>
     </p:extLst>
   </p:cSld>
@@ -1493,7 +1493,7 @@
           <p:cNvPr id="2" name="标题 1">
             <a:extLst>
               <a:ext uri="{FF2B5EF4-FFF2-40B4-BE49-F238E27FC236}">
-                <a16:creationId xmlns:a16="http://schemas.microsoft.com/office/drawing/2014/main" id="{274BC3AB-FAAB-0386-78C9-53A123C32686}"/>
+                <a16:creationId xmlns:a16="http://schemas.microsoft.com/office/drawing/2014/main" id="{E1F2BAFB-9552-41ED-43D9-A02BEF9B83B1}"/>
               </a:ext>
             </a:extLst>
           </p:cNvPr>
@@ -1526,7 +1526,7 @@
           <p:cNvPr id="3" name="文本占位符 2">
             <a:extLst>
               <a:ext uri="{FF2B5EF4-FFF2-40B4-BE49-F238E27FC236}">
-                <a16:creationId xmlns:a16="http://schemas.microsoft.com/office/drawing/2014/main" id="{36D08EFE-4BC2-494F-920A-15E77D04633D}"/>
+                <a16:creationId xmlns:a16="http://schemas.microsoft.com/office/drawing/2014/main" id="{330AF531-E129-DF94-780A-746E498722ED}"/>
               </a:ext>
             </a:extLst>
           </p:cNvPr>
@@ -1597,7 +1597,7 @@
           <p:cNvPr id="4" name="内容占位符 3">
             <a:extLst>
               <a:ext uri="{FF2B5EF4-FFF2-40B4-BE49-F238E27FC236}">
-                <a16:creationId xmlns:a16="http://schemas.microsoft.com/office/drawing/2014/main" id="{73ED0C22-CDAD-A725-1C83-84C8D0970307}"/>
+                <a16:creationId xmlns:a16="http://schemas.microsoft.com/office/drawing/2014/main" id="{A80D5D96-B1AB-B5E6-B1AA-AFE78B5E7BCD}"/>
               </a:ext>
             </a:extLst>
           </p:cNvPr>
@@ -1659,7 +1659,7 @@
           <p:cNvPr id="5" name="文本占位符 4">
             <a:extLst>
               <a:ext uri="{FF2B5EF4-FFF2-40B4-BE49-F238E27FC236}">
-                <a16:creationId xmlns:a16="http://schemas.microsoft.com/office/drawing/2014/main" id="{3446975C-2382-667A-4C97-5A22D3A8F826}"/>
+                <a16:creationId xmlns:a16="http://schemas.microsoft.com/office/drawing/2014/main" id="{155E761A-44D2-2CD2-6423-B97EAD1C614F}"/>
               </a:ext>
             </a:extLst>
           </p:cNvPr>
@@ -1730,7 +1730,7 @@
           <p:cNvPr id="6" name="内容占位符 5">
             <a:extLst>
               <a:ext uri="{FF2B5EF4-FFF2-40B4-BE49-F238E27FC236}">
-                <a16:creationId xmlns:a16="http://schemas.microsoft.com/office/drawing/2014/main" id="{4E33BB26-D726-A17C-0115-4C229248FC9B}"/>
+                <a16:creationId xmlns:a16="http://schemas.microsoft.com/office/drawing/2014/main" id="{7CC66FFB-E621-D767-4164-7F00130423E9}"/>
               </a:ext>
             </a:extLst>
           </p:cNvPr>
@@ -1792,7 +1792,7 @@
           <p:cNvPr id="7" name="日期占位符 6">
             <a:extLst>
               <a:ext uri="{FF2B5EF4-FFF2-40B4-BE49-F238E27FC236}">
-                <a16:creationId xmlns:a16="http://schemas.microsoft.com/office/drawing/2014/main" id="{D5730AA9-B1DD-0628-982D-16B1D603388A}"/>
+                <a16:creationId xmlns:a16="http://schemas.microsoft.com/office/drawing/2014/main" id="{8BD7C915-7417-CC92-8B9C-F91FE942B5AE}"/>
               </a:ext>
             </a:extLst>
           </p:cNvPr>
@@ -1808,7 +1808,7 @@
           <a:bodyPr/>
           <a:lstStyle/>
           <a:p>
-            <a:fld id="{1515DACE-BE3A-4EA3-B57E-6FEAF8F1D645}" type="datetimeFigureOut">
+            <a:fld id="{6DB638C0-B3EA-496F-8704-F087A1F40B8D}" type="datetimeFigureOut">
               <a:rPr lang="zh-CN" altLang="en-US" smtClean="0"/>
               <a:t>2024/3/10</a:t>
             </a:fld>
@@ -1821,7 +1821,7 @@
           <p:cNvPr id="8" name="页脚占位符 7">
             <a:extLst>
               <a:ext uri="{FF2B5EF4-FFF2-40B4-BE49-F238E27FC236}">
-                <a16:creationId xmlns:a16="http://schemas.microsoft.com/office/drawing/2014/main" id="{32BFB988-D693-7B53-09EE-9FC84B667AA7}"/>
+                <a16:creationId xmlns:a16="http://schemas.microsoft.com/office/drawing/2014/main" id="{6BF45FF5-1FA0-CE41-42AB-8582B4CFA854}"/>
               </a:ext>
             </a:extLst>
           </p:cNvPr>
@@ -1846,7 +1846,7 @@
           <p:cNvPr id="9" name="灯片编号占位符 8">
             <a:extLst>
               <a:ext uri="{FF2B5EF4-FFF2-40B4-BE49-F238E27FC236}">
-                <a16:creationId xmlns:a16="http://schemas.microsoft.com/office/drawing/2014/main" id="{D31723CE-22C5-A8CB-BCEC-5D532407D498}"/>
+                <a16:creationId xmlns:a16="http://schemas.microsoft.com/office/drawing/2014/main" id="{85D8418F-8F05-DA86-9ABB-AD528270B13A}"/>
               </a:ext>
             </a:extLst>
           </p:cNvPr>
@@ -1862,7 +1862,7 @@
           <a:bodyPr/>
           <a:lstStyle/>
           <a:p>
-            <a:fld id="{1F2E74D1-9A59-47B2-8840-29ECF1468DE2}" type="slidenum">
+            <a:fld id="{4943497C-A096-4FDE-8AA4-E25CBE22BF8E}" type="slidenum">
               <a:rPr lang="zh-CN" altLang="en-US" smtClean="0"/>
               <a:t>‹#›</a:t>
             </a:fld>
@@ -1873,7 +1873,7 @@
     </p:spTree>
     <p:extLst>
       <p:ext uri="{BB962C8B-B14F-4D97-AF65-F5344CB8AC3E}">
-        <p14:creationId xmlns:p14="http://schemas.microsoft.com/office/powerpoint/2010/main" val="2730373621"/>
+        <p14:creationId xmlns:p14="http://schemas.microsoft.com/office/powerpoint/2010/main" val="1060030405"/>
       </p:ext>
     </p:extLst>
   </p:cSld>
@@ -1905,7 +1905,7 @@
           <p:cNvPr id="2" name="标题 1">
             <a:extLst>
               <a:ext uri="{FF2B5EF4-FFF2-40B4-BE49-F238E27FC236}">
-                <a16:creationId xmlns:a16="http://schemas.microsoft.com/office/drawing/2014/main" id="{4D67A2C8-D015-89DD-1526-FBE08F775DCB}"/>
+                <a16:creationId xmlns:a16="http://schemas.microsoft.com/office/drawing/2014/main" id="{7B19D1D6-F28C-5C93-0BE3-78A4A9666B6D}"/>
               </a:ext>
             </a:extLst>
           </p:cNvPr>
@@ -1933,7 +1933,7 @@
           <p:cNvPr id="3" name="日期占位符 2">
             <a:extLst>
               <a:ext uri="{FF2B5EF4-FFF2-40B4-BE49-F238E27FC236}">
-                <a16:creationId xmlns:a16="http://schemas.microsoft.com/office/drawing/2014/main" id="{FC3578DE-8154-50AE-210D-2E20F4A016DA}"/>
+                <a16:creationId xmlns:a16="http://schemas.microsoft.com/office/drawing/2014/main" id="{930A333F-2CFB-1EB1-5756-E9D5BEF6B4F5}"/>
               </a:ext>
             </a:extLst>
           </p:cNvPr>
@@ -1949,7 +1949,7 @@
           <a:bodyPr/>
           <a:lstStyle/>
           <a:p>
-            <a:fld id="{1515DACE-BE3A-4EA3-B57E-6FEAF8F1D645}" type="datetimeFigureOut">
+            <a:fld id="{6DB638C0-B3EA-496F-8704-F087A1F40B8D}" type="datetimeFigureOut">
               <a:rPr lang="zh-CN" altLang="en-US" smtClean="0"/>
               <a:t>2024/3/10</a:t>
             </a:fld>
@@ -1962,7 +1962,7 @@
           <p:cNvPr id="4" name="页脚占位符 3">
             <a:extLst>
               <a:ext uri="{FF2B5EF4-FFF2-40B4-BE49-F238E27FC236}">
-                <a16:creationId xmlns:a16="http://schemas.microsoft.com/office/drawing/2014/main" id="{C57E7E30-1644-7DC8-E785-ED4D0C4EE23A}"/>
+                <a16:creationId xmlns:a16="http://schemas.microsoft.com/office/drawing/2014/main" id="{B095ED41-69FA-5F0B-FC6F-825339A667B8}"/>
               </a:ext>
             </a:extLst>
           </p:cNvPr>
@@ -1987,7 +1987,7 @@
           <p:cNvPr id="5" name="灯片编号占位符 4">
             <a:extLst>
               <a:ext uri="{FF2B5EF4-FFF2-40B4-BE49-F238E27FC236}">
-                <a16:creationId xmlns:a16="http://schemas.microsoft.com/office/drawing/2014/main" id="{6ACE4E5F-83D7-BE3B-B8F9-5C86F8D659F4}"/>
+                <a16:creationId xmlns:a16="http://schemas.microsoft.com/office/drawing/2014/main" id="{F458F989-0522-E40C-87DD-6521EF5997AF}"/>
               </a:ext>
             </a:extLst>
           </p:cNvPr>
@@ -2003,7 +2003,7 @@
           <a:bodyPr/>
           <a:lstStyle/>
           <a:p>
-            <a:fld id="{1F2E74D1-9A59-47B2-8840-29ECF1468DE2}" type="slidenum">
+            <a:fld id="{4943497C-A096-4FDE-8AA4-E25CBE22BF8E}" type="slidenum">
               <a:rPr lang="zh-CN" altLang="en-US" smtClean="0"/>
               <a:t>‹#›</a:t>
             </a:fld>
@@ -2014,7 +2014,7 @@
     </p:spTree>
     <p:extLst>
       <p:ext uri="{BB962C8B-B14F-4D97-AF65-F5344CB8AC3E}">
-        <p14:creationId xmlns:p14="http://schemas.microsoft.com/office/powerpoint/2010/main" val="2762582959"/>
+        <p14:creationId xmlns:p14="http://schemas.microsoft.com/office/powerpoint/2010/main" val="46077365"/>
       </p:ext>
     </p:extLst>
   </p:cSld>
@@ -2046,7 +2046,7 @@
           <p:cNvPr id="2" name="日期占位符 1">
             <a:extLst>
               <a:ext uri="{FF2B5EF4-FFF2-40B4-BE49-F238E27FC236}">
-                <a16:creationId xmlns:a16="http://schemas.microsoft.com/office/drawing/2014/main" id="{9C41AB9C-0144-84A1-E84A-8F3C2B68EB52}"/>
+                <a16:creationId xmlns:a16="http://schemas.microsoft.com/office/drawing/2014/main" id="{7A71ED93-B310-94B7-AB70-679E0B7E4661}"/>
               </a:ext>
             </a:extLst>
           </p:cNvPr>
@@ -2062,7 +2062,7 @@
           <a:bodyPr/>
           <a:lstStyle/>
           <a:p>
-            <a:fld id="{1515DACE-BE3A-4EA3-B57E-6FEAF8F1D645}" type="datetimeFigureOut">
+            <a:fld id="{6DB638C0-B3EA-496F-8704-F087A1F40B8D}" type="datetimeFigureOut">
               <a:rPr lang="zh-CN" altLang="en-US" smtClean="0"/>
               <a:t>2024/3/10</a:t>
             </a:fld>
@@ -2075,7 +2075,7 @@
           <p:cNvPr id="3" name="页脚占位符 2">
             <a:extLst>
               <a:ext uri="{FF2B5EF4-FFF2-40B4-BE49-F238E27FC236}">
-                <a16:creationId xmlns:a16="http://schemas.microsoft.com/office/drawing/2014/main" id="{8095C47A-855A-23EF-2D4A-C06A56E09CFD}"/>
+                <a16:creationId xmlns:a16="http://schemas.microsoft.com/office/drawing/2014/main" id="{A843DF7A-0671-F43D-9A17-CEA26892D18B}"/>
               </a:ext>
             </a:extLst>
           </p:cNvPr>
@@ -2100,7 +2100,7 @@
           <p:cNvPr id="4" name="灯片编号占位符 3">
             <a:extLst>
               <a:ext uri="{FF2B5EF4-FFF2-40B4-BE49-F238E27FC236}">
-                <a16:creationId xmlns:a16="http://schemas.microsoft.com/office/drawing/2014/main" id="{5DF01C4F-81B5-5C19-433B-F4028C1408A0}"/>
+                <a16:creationId xmlns:a16="http://schemas.microsoft.com/office/drawing/2014/main" id="{8A65E5BA-5BDB-E36E-A821-CD899390F4F0}"/>
               </a:ext>
             </a:extLst>
           </p:cNvPr>
@@ -2116,7 +2116,7 @@
           <a:bodyPr/>
           <a:lstStyle/>
           <a:p>
-            <a:fld id="{1F2E74D1-9A59-47B2-8840-29ECF1468DE2}" type="slidenum">
+            <a:fld id="{4943497C-A096-4FDE-8AA4-E25CBE22BF8E}" type="slidenum">
               <a:rPr lang="zh-CN" altLang="en-US" smtClean="0"/>
               <a:t>‹#›</a:t>
             </a:fld>
@@ -2127,7 +2127,7 @@
     </p:spTree>
     <p:extLst>
       <p:ext uri="{BB962C8B-B14F-4D97-AF65-F5344CB8AC3E}">
-        <p14:creationId xmlns:p14="http://schemas.microsoft.com/office/powerpoint/2010/main" val="696722812"/>
+        <p14:creationId xmlns:p14="http://schemas.microsoft.com/office/powerpoint/2010/main" val="3117458292"/>
       </p:ext>
     </p:extLst>
   </p:cSld>
@@ -2159,7 +2159,7 @@
           <p:cNvPr id="2" name="标题 1">
             <a:extLst>
               <a:ext uri="{FF2B5EF4-FFF2-40B4-BE49-F238E27FC236}">
-                <a16:creationId xmlns:a16="http://schemas.microsoft.com/office/drawing/2014/main" id="{757BF8CE-0220-A7A6-13C5-DE38C5F977EC}"/>
+                <a16:creationId xmlns:a16="http://schemas.microsoft.com/office/drawing/2014/main" id="{5DD829F9-C86B-F81B-96A5-60A5068365F9}"/>
               </a:ext>
             </a:extLst>
           </p:cNvPr>
@@ -2196,7 +2196,7 @@
           <p:cNvPr id="3" name="内容占位符 2">
             <a:extLst>
               <a:ext uri="{FF2B5EF4-FFF2-40B4-BE49-F238E27FC236}">
-                <a16:creationId xmlns:a16="http://schemas.microsoft.com/office/drawing/2014/main" id="{3A851748-488E-EE23-A456-9876F5FADD0A}"/>
+                <a16:creationId xmlns:a16="http://schemas.microsoft.com/office/drawing/2014/main" id="{B88F0719-1E9D-E62B-555F-63EA5A16BE21}"/>
               </a:ext>
             </a:extLst>
           </p:cNvPr>
@@ -2286,7 +2286,7 @@
           <p:cNvPr id="4" name="文本占位符 3">
             <a:extLst>
               <a:ext uri="{FF2B5EF4-FFF2-40B4-BE49-F238E27FC236}">
-                <a16:creationId xmlns:a16="http://schemas.microsoft.com/office/drawing/2014/main" id="{ADCFFC87-7F3F-3004-52EC-D7D3C66C9CB8}"/>
+                <a16:creationId xmlns:a16="http://schemas.microsoft.com/office/drawing/2014/main" id="{3C24F644-02E2-DDD1-95ED-012CE0AAE6FC}"/>
               </a:ext>
             </a:extLst>
           </p:cNvPr>
@@ -2357,7 +2357,7 @@
           <p:cNvPr id="5" name="日期占位符 4">
             <a:extLst>
               <a:ext uri="{FF2B5EF4-FFF2-40B4-BE49-F238E27FC236}">
-                <a16:creationId xmlns:a16="http://schemas.microsoft.com/office/drawing/2014/main" id="{43B8DFBA-A3D5-4019-EA85-CC4CFD1DB5DC}"/>
+                <a16:creationId xmlns:a16="http://schemas.microsoft.com/office/drawing/2014/main" id="{6EEC0A93-704D-8235-41DB-D705436CE741}"/>
               </a:ext>
             </a:extLst>
           </p:cNvPr>
@@ -2373,7 +2373,7 @@
           <a:bodyPr/>
           <a:lstStyle/>
           <a:p>
-            <a:fld id="{1515DACE-BE3A-4EA3-B57E-6FEAF8F1D645}" type="datetimeFigureOut">
+            <a:fld id="{6DB638C0-B3EA-496F-8704-F087A1F40B8D}" type="datetimeFigureOut">
               <a:rPr lang="zh-CN" altLang="en-US" smtClean="0"/>
               <a:t>2024/3/10</a:t>
             </a:fld>
@@ -2386,7 +2386,7 @@
           <p:cNvPr id="6" name="页脚占位符 5">
             <a:extLst>
               <a:ext uri="{FF2B5EF4-FFF2-40B4-BE49-F238E27FC236}">
-                <a16:creationId xmlns:a16="http://schemas.microsoft.com/office/drawing/2014/main" id="{877E13C9-6EED-0047-6D72-8470351054AB}"/>
+                <a16:creationId xmlns:a16="http://schemas.microsoft.com/office/drawing/2014/main" id="{0E549133-F25B-36DA-6A74-F64B74D69872}"/>
               </a:ext>
             </a:extLst>
           </p:cNvPr>
@@ -2411,7 +2411,7 @@
           <p:cNvPr id="7" name="灯片编号占位符 6">
             <a:extLst>
               <a:ext uri="{FF2B5EF4-FFF2-40B4-BE49-F238E27FC236}">
-                <a16:creationId xmlns:a16="http://schemas.microsoft.com/office/drawing/2014/main" id="{0C12DC57-3651-55D4-F907-98D9EC73ABFA}"/>
+                <a16:creationId xmlns:a16="http://schemas.microsoft.com/office/drawing/2014/main" id="{CA149B21-3B1B-480F-6B22-606FBD62B447}"/>
               </a:ext>
             </a:extLst>
           </p:cNvPr>
@@ -2427,7 +2427,7 @@
           <a:bodyPr/>
           <a:lstStyle/>
           <a:p>
-            <a:fld id="{1F2E74D1-9A59-47B2-8840-29ECF1468DE2}" type="slidenum">
+            <a:fld id="{4943497C-A096-4FDE-8AA4-E25CBE22BF8E}" type="slidenum">
               <a:rPr lang="zh-CN" altLang="en-US" smtClean="0"/>
               <a:t>‹#›</a:t>
             </a:fld>
@@ -2438,7 +2438,7 @@
     </p:spTree>
     <p:extLst>
       <p:ext uri="{BB962C8B-B14F-4D97-AF65-F5344CB8AC3E}">
-        <p14:creationId xmlns:p14="http://schemas.microsoft.com/office/powerpoint/2010/main" val="1064021478"/>
+        <p14:creationId xmlns:p14="http://schemas.microsoft.com/office/powerpoint/2010/main" val="364736697"/>
       </p:ext>
     </p:extLst>
   </p:cSld>
@@ -2470,7 +2470,7 @@
           <p:cNvPr id="2" name="标题 1">
             <a:extLst>
               <a:ext uri="{FF2B5EF4-FFF2-40B4-BE49-F238E27FC236}">
-                <a16:creationId xmlns:a16="http://schemas.microsoft.com/office/drawing/2014/main" id="{72D96927-1BF4-C599-8155-498170115CC7}"/>
+                <a16:creationId xmlns:a16="http://schemas.microsoft.com/office/drawing/2014/main" id="{D6D447C6-F11E-7ABA-9FCD-292FA1BFBC81}"/>
               </a:ext>
             </a:extLst>
           </p:cNvPr>
@@ -2507,7 +2507,7 @@
           <p:cNvPr id="3" name="图片占位符 2">
             <a:extLst>
               <a:ext uri="{FF2B5EF4-FFF2-40B4-BE49-F238E27FC236}">
-                <a16:creationId xmlns:a16="http://schemas.microsoft.com/office/drawing/2014/main" id="{EF8BD7E8-EB3F-77F3-BAC5-E91E64A2F882}"/>
+                <a16:creationId xmlns:a16="http://schemas.microsoft.com/office/drawing/2014/main" id="{359A4D54-059D-4B0D-69A9-4CB35EA7BDF6}"/>
               </a:ext>
             </a:extLst>
           </p:cNvPr>
@@ -2574,7 +2574,7 @@
           <p:cNvPr id="4" name="文本占位符 3">
             <a:extLst>
               <a:ext uri="{FF2B5EF4-FFF2-40B4-BE49-F238E27FC236}">
-                <a16:creationId xmlns:a16="http://schemas.microsoft.com/office/drawing/2014/main" id="{50D4D3F0-01E0-B728-D675-D37165DB07AA}"/>
+                <a16:creationId xmlns:a16="http://schemas.microsoft.com/office/drawing/2014/main" id="{D28E40D4-7AF1-7D2E-02FF-23C4A488720B}"/>
               </a:ext>
             </a:extLst>
           </p:cNvPr>
@@ -2645,7 +2645,7 @@
           <p:cNvPr id="5" name="日期占位符 4">
             <a:extLst>
               <a:ext uri="{FF2B5EF4-FFF2-40B4-BE49-F238E27FC236}">
-                <a16:creationId xmlns:a16="http://schemas.microsoft.com/office/drawing/2014/main" id="{D9576F94-1276-1082-0698-D9B7BDD255A2}"/>
+                <a16:creationId xmlns:a16="http://schemas.microsoft.com/office/drawing/2014/main" id="{3E86EEAB-1C22-F912-3DFC-1BFBAA72FAAB}"/>
               </a:ext>
             </a:extLst>
           </p:cNvPr>
@@ -2661,7 +2661,7 @@
           <a:bodyPr/>
           <a:lstStyle/>
           <a:p>
-            <a:fld id="{1515DACE-BE3A-4EA3-B57E-6FEAF8F1D645}" type="datetimeFigureOut">
+            <a:fld id="{6DB638C0-B3EA-496F-8704-F087A1F40B8D}" type="datetimeFigureOut">
               <a:rPr lang="zh-CN" altLang="en-US" smtClean="0"/>
               <a:t>2024/3/10</a:t>
             </a:fld>
@@ -2674,7 +2674,7 @@
           <p:cNvPr id="6" name="页脚占位符 5">
             <a:extLst>
               <a:ext uri="{FF2B5EF4-FFF2-40B4-BE49-F238E27FC236}">
-                <a16:creationId xmlns:a16="http://schemas.microsoft.com/office/drawing/2014/main" id="{8F9B2DEA-B5A5-6FEA-0AF0-2421AD107542}"/>
+                <a16:creationId xmlns:a16="http://schemas.microsoft.com/office/drawing/2014/main" id="{7FB1B5C8-777F-90B4-C3F9-97E79B68794F}"/>
               </a:ext>
             </a:extLst>
           </p:cNvPr>
@@ -2699,7 +2699,7 @@
           <p:cNvPr id="7" name="灯片编号占位符 6">
             <a:extLst>
               <a:ext uri="{FF2B5EF4-FFF2-40B4-BE49-F238E27FC236}">
-                <a16:creationId xmlns:a16="http://schemas.microsoft.com/office/drawing/2014/main" id="{8037FF6C-12AC-31D4-CE65-8506EC06BC85}"/>
+                <a16:creationId xmlns:a16="http://schemas.microsoft.com/office/drawing/2014/main" id="{1BE429AD-E77A-1203-BF8A-9B503349CDAB}"/>
               </a:ext>
             </a:extLst>
           </p:cNvPr>
@@ -2715,7 +2715,7 @@
           <a:bodyPr/>
           <a:lstStyle/>
           <a:p>
-            <a:fld id="{1F2E74D1-9A59-47B2-8840-29ECF1468DE2}" type="slidenum">
+            <a:fld id="{4943497C-A096-4FDE-8AA4-E25CBE22BF8E}" type="slidenum">
               <a:rPr lang="zh-CN" altLang="en-US" smtClean="0"/>
               <a:t>‹#›</a:t>
             </a:fld>
@@ -2726,7 +2726,7 @@
     </p:spTree>
     <p:extLst>
       <p:ext uri="{BB962C8B-B14F-4D97-AF65-F5344CB8AC3E}">
-        <p14:creationId xmlns:p14="http://schemas.microsoft.com/office/powerpoint/2010/main" val="181589097"/>
+        <p14:creationId xmlns:p14="http://schemas.microsoft.com/office/powerpoint/2010/main" val="4200548007"/>
       </p:ext>
     </p:extLst>
   </p:cSld>
@@ -2763,7 +2763,7 @@
           <p:cNvPr id="2" name="标题占位符 1">
             <a:extLst>
               <a:ext uri="{FF2B5EF4-FFF2-40B4-BE49-F238E27FC236}">
-                <a16:creationId xmlns:a16="http://schemas.microsoft.com/office/drawing/2014/main" id="{013EDEE0-E869-7054-4216-D0F88B5AD67B}"/>
+                <a16:creationId xmlns:a16="http://schemas.microsoft.com/office/drawing/2014/main" id="{548E1568-3604-13FF-D0D1-6A70ECD4D6B6}"/>
               </a:ext>
             </a:extLst>
           </p:cNvPr>
@@ -2801,7 +2801,7 @@
           <p:cNvPr id="3" name="文本占位符 2">
             <a:extLst>
               <a:ext uri="{FF2B5EF4-FFF2-40B4-BE49-F238E27FC236}">
-                <a16:creationId xmlns:a16="http://schemas.microsoft.com/office/drawing/2014/main" id="{F7F80C02-ABE3-DF95-5D72-0C683C9A6C37}"/>
+                <a16:creationId xmlns:a16="http://schemas.microsoft.com/office/drawing/2014/main" id="{6EC31EB6-3B78-5981-EB93-8A2C512421B7}"/>
               </a:ext>
             </a:extLst>
           </p:cNvPr>
@@ -2868,7 +2868,7 @@
           <p:cNvPr id="4" name="日期占位符 3">
             <a:extLst>
               <a:ext uri="{FF2B5EF4-FFF2-40B4-BE49-F238E27FC236}">
-                <a16:creationId xmlns:a16="http://schemas.microsoft.com/office/drawing/2014/main" id="{1C387081-6680-C96D-9B31-3191C17682FA}"/>
+                <a16:creationId xmlns:a16="http://schemas.microsoft.com/office/drawing/2014/main" id="{CB7E5C9E-D4CD-620D-89A4-5D2C5CB5B124}"/>
               </a:ext>
             </a:extLst>
           </p:cNvPr>
@@ -2902,7 +2902,7 @@
             </a:lvl1pPr>
           </a:lstStyle>
           <a:p>
-            <a:fld id="{1515DACE-BE3A-4EA3-B57E-6FEAF8F1D645}" type="datetimeFigureOut">
+            <a:fld id="{6DB638C0-B3EA-496F-8704-F087A1F40B8D}" type="datetimeFigureOut">
               <a:rPr lang="zh-CN" altLang="en-US" smtClean="0"/>
               <a:t>2024/3/10</a:t>
             </a:fld>
@@ -2915,7 +2915,7 @@
           <p:cNvPr id="5" name="页脚占位符 4">
             <a:extLst>
               <a:ext uri="{FF2B5EF4-FFF2-40B4-BE49-F238E27FC236}">
-                <a16:creationId xmlns:a16="http://schemas.microsoft.com/office/drawing/2014/main" id="{D1A8C0D2-18C3-75FE-D6C9-4F629D6AF827}"/>
+                <a16:creationId xmlns:a16="http://schemas.microsoft.com/office/drawing/2014/main" id="{F7B835BF-ED36-1EE6-BB93-7BB58FFDE018}"/>
               </a:ext>
             </a:extLst>
           </p:cNvPr>
@@ -2958,7 +2958,7 @@
           <p:cNvPr id="6" name="灯片编号占位符 5">
             <a:extLst>
               <a:ext uri="{FF2B5EF4-FFF2-40B4-BE49-F238E27FC236}">
-                <a16:creationId xmlns:a16="http://schemas.microsoft.com/office/drawing/2014/main" id="{99A1D68C-BE9A-D35D-8DA8-76E890D94F5F}"/>
+                <a16:creationId xmlns:a16="http://schemas.microsoft.com/office/drawing/2014/main" id="{955B7AA1-E976-D10E-2D5C-EFC8AA2A0412}"/>
               </a:ext>
             </a:extLst>
           </p:cNvPr>
@@ -2992,7 +2992,7 @@
             </a:lvl1pPr>
           </a:lstStyle>
           <a:p>
-            <a:fld id="{1F2E74D1-9A59-47B2-8840-29ECF1468DE2}" type="slidenum">
+            <a:fld id="{4943497C-A096-4FDE-8AA4-E25CBE22BF8E}" type="slidenum">
               <a:rPr lang="zh-CN" altLang="en-US" smtClean="0"/>
               <a:t>‹#›</a:t>
             </a:fld>
@@ -3003,7 +3003,7 @@
     </p:spTree>
     <p:extLst>
       <p:ext uri="{BB962C8B-B14F-4D97-AF65-F5344CB8AC3E}">
-        <p14:creationId xmlns:p14="http://schemas.microsoft.com/office/powerpoint/2010/main" val="1823469372"/>
+        <p14:creationId xmlns:p14="http://schemas.microsoft.com/office/powerpoint/2010/main" val="1304857643"/>
       </p:ext>
     </p:extLst>
   </p:cSld>
@@ -3323,7 +3323,7 @@
       </p:grpSpPr>
       <p:pic>
         <p:nvPicPr>
-          <p:cNvPr id="1451010" name="Picture 2" descr="1416"/>
+          <p:cNvPr id="1452034" name="Picture 2" descr="1417"/>
           <p:cNvPicPr>
             <a:picLocks noChangeAspect="1" noChangeArrowheads="1"/>
           </p:cNvPicPr>
@@ -3344,8 +3344,8 @@
         </p:blipFill>
         <p:spPr bwMode="auto">
           <a:xfrm>
-            <a:off x="1524000" y="117475"/>
-            <a:ext cx="9144000" cy="6453188"/>
+            <a:off x="1495426" y="-15875"/>
+            <a:ext cx="9172575" cy="6873875"/>
           </a:xfrm>
           <a:prstGeom prst="rect">
             <a:avLst/>
